--- a/Assignment 3/a3-diagram-draft.pptx
+++ b/Assignment 3/a3-diagram-draft.pptx
@@ -4878,7 +4878,7 @@
         </p:nvSpPr>
         <p:spPr>
           <a:xfrm>
-            <a:off x="6629611" y="2698273"/>
+            <a:off x="6912629" y="2700464"/>
             <a:ext cx="1606924" cy="292388"/>
           </a:xfrm>
           <a:prstGeom prst="rect">
@@ -4894,7 +4894,7 @@
           <a:p>
             <a:r>
               <a:rPr lang="en-US" sz="1300" dirty="0"/>
-              <a:t>cancel / unlock</a:t>
+              <a:t>cancel </a:t>
             </a:r>
           </a:p>
         </p:txBody>
